--- a/Project 1 Status Report.pptx
+++ b/Project 1 Status Report.pptx
@@ -6,13 +6,15 @@
   </p:sldMasterIdLst>
   <p:sldIdLst>
     <p:sldId id="256" r:id="rId2"/>
-    <p:sldId id="257" r:id="rId3"/>
-    <p:sldId id="258" r:id="rId4"/>
-    <p:sldId id="261" r:id="rId5"/>
-    <p:sldId id="259" r:id="rId6"/>
-    <p:sldId id="262" r:id="rId7"/>
-    <p:sldId id="260" r:id="rId8"/>
-    <p:sldId id="263" r:id="rId9"/>
+    <p:sldId id="265" r:id="rId3"/>
+    <p:sldId id="257" r:id="rId4"/>
+    <p:sldId id="258" r:id="rId5"/>
+    <p:sldId id="261" r:id="rId6"/>
+    <p:sldId id="259" r:id="rId7"/>
+    <p:sldId id="262" r:id="rId8"/>
+    <p:sldId id="260" r:id="rId9"/>
+    <p:sldId id="263" r:id="rId10"/>
+    <p:sldId id="264" r:id="rId11"/>
   </p:sldIdLst>
   <p:sldSz cx="9144000" cy="6858000" type="screen4x3"/>
   <p:notesSz cx="6858000" cy="9144000"/>
@@ -295,7 +297,7 @@
           <a:p>
             <a:fld id="{F5E56FB1-6707-4C14-98B4-98CEA93FBB1D}" type="datetimeFigureOut">
               <a:rPr lang="en-US" smtClean="0"/>
-              <a:t>2/3/2015</a:t>
+              <a:t>2/4/2015</a:t>
             </a:fld>
             <a:endParaRPr lang="en-US"/>
           </a:p>
@@ -465,7 +467,7 @@
           <a:p>
             <a:fld id="{F5E56FB1-6707-4C14-98B4-98CEA93FBB1D}" type="datetimeFigureOut">
               <a:rPr lang="en-US" smtClean="0"/>
-              <a:t>2/3/2015</a:t>
+              <a:t>2/4/2015</a:t>
             </a:fld>
             <a:endParaRPr lang="en-US"/>
           </a:p>
@@ -645,7 +647,7 @@
           <a:p>
             <a:fld id="{F5E56FB1-6707-4C14-98B4-98CEA93FBB1D}" type="datetimeFigureOut">
               <a:rPr lang="en-US" smtClean="0"/>
-              <a:t>2/3/2015</a:t>
+              <a:t>2/4/2015</a:t>
             </a:fld>
             <a:endParaRPr lang="en-US"/>
           </a:p>
@@ -815,7 +817,7 @@
           <a:p>
             <a:fld id="{F5E56FB1-6707-4C14-98B4-98CEA93FBB1D}" type="datetimeFigureOut">
               <a:rPr lang="en-US" smtClean="0"/>
-              <a:t>2/3/2015</a:t>
+              <a:t>2/4/2015</a:t>
             </a:fld>
             <a:endParaRPr lang="en-US"/>
           </a:p>
@@ -1061,7 +1063,7 @@
           <a:p>
             <a:fld id="{F5E56FB1-6707-4C14-98B4-98CEA93FBB1D}" type="datetimeFigureOut">
               <a:rPr lang="en-US" smtClean="0"/>
-              <a:t>2/3/2015</a:t>
+              <a:t>2/4/2015</a:t>
             </a:fld>
             <a:endParaRPr lang="en-US"/>
           </a:p>
@@ -1349,7 +1351,7 @@
           <a:p>
             <a:fld id="{F5E56FB1-6707-4C14-98B4-98CEA93FBB1D}" type="datetimeFigureOut">
               <a:rPr lang="en-US" smtClean="0"/>
-              <a:t>2/3/2015</a:t>
+              <a:t>2/4/2015</a:t>
             </a:fld>
             <a:endParaRPr lang="en-US"/>
           </a:p>
@@ -1771,7 +1773,7 @@
           <a:p>
             <a:fld id="{F5E56FB1-6707-4C14-98B4-98CEA93FBB1D}" type="datetimeFigureOut">
               <a:rPr lang="en-US" smtClean="0"/>
-              <a:t>2/3/2015</a:t>
+              <a:t>2/4/2015</a:t>
             </a:fld>
             <a:endParaRPr lang="en-US"/>
           </a:p>
@@ -1889,7 +1891,7 @@
           <a:p>
             <a:fld id="{F5E56FB1-6707-4C14-98B4-98CEA93FBB1D}" type="datetimeFigureOut">
               <a:rPr lang="en-US" smtClean="0"/>
-              <a:t>2/3/2015</a:t>
+              <a:t>2/4/2015</a:t>
             </a:fld>
             <a:endParaRPr lang="en-US"/>
           </a:p>
@@ -1984,7 +1986,7 @@
           <a:p>
             <a:fld id="{F5E56FB1-6707-4C14-98B4-98CEA93FBB1D}" type="datetimeFigureOut">
               <a:rPr lang="en-US" smtClean="0"/>
-              <a:t>2/3/2015</a:t>
+              <a:t>2/4/2015</a:t>
             </a:fld>
             <a:endParaRPr lang="en-US"/>
           </a:p>
@@ -2261,7 +2263,7 @@
           <a:p>
             <a:fld id="{F5E56FB1-6707-4C14-98B4-98CEA93FBB1D}" type="datetimeFigureOut">
               <a:rPr lang="en-US" smtClean="0"/>
-              <a:t>2/3/2015</a:t>
+              <a:t>2/4/2015</a:t>
             </a:fld>
             <a:endParaRPr lang="en-US"/>
           </a:p>
@@ -2514,7 +2516,7 @@
           <a:p>
             <a:fld id="{F5E56FB1-6707-4C14-98B4-98CEA93FBB1D}" type="datetimeFigureOut">
               <a:rPr lang="en-US" smtClean="0"/>
-              <a:t>2/3/2015</a:t>
+              <a:t>2/4/2015</a:t>
             </a:fld>
             <a:endParaRPr lang="en-US"/>
           </a:p>
@@ -2727,7 +2729,7 @@
           <a:p>
             <a:fld id="{F5E56FB1-6707-4C14-98B4-98CEA93FBB1D}" type="datetimeFigureOut">
               <a:rPr lang="en-US" smtClean="0"/>
-              <a:t>2/3/2015</a:t>
+              <a:t>2/4/2015</a:t>
             </a:fld>
             <a:endParaRPr lang="en-US"/>
           </a:p>
@@ -3173,6 +3175,91 @@
 </p:sld>
 </file>
 
+<file path=ppt/slides/slide10.xml><?xml version="1.0" encoding="utf-8"?>
+<p:sld xmlns:a="http://schemas.openxmlformats.org/drawingml/2006/main" xmlns:r="http://schemas.openxmlformats.org/officeDocument/2006/relationships" xmlns:p="http://schemas.openxmlformats.org/presentationml/2006/main">
+  <p:cSld>
+    <p:spTree>
+      <p:nvGrpSpPr>
+        <p:cNvPr id="1" name=""/>
+        <p:cNvGrpSpPr/>
+        <p:nvPr/>
+      </p:nvGrpSpPr>
+      <p:grpSpPr>
+        <a:xfrm>
+          <a:off x="0" y="0"/>
+          <a:ext cx="0" cy="0"/>
+          <a:chOff x="0" y="0"/>
+          <a:chExt cx="0" cy="0"/>
+        </a:xfrm>
+      </p:grpSpPr>
+      <p:sp>
+        <p:nvSpPr>
+          <p:cNvPr id="2" name="Title 1"/>
+          <p:cNvSpPr>
+            <a:spLocks noGrp="1"/>
+          </p:cNvSpPr>
+          <p:nvPr>
+            <p:ph type="title"/>
+          </p:nvPr>
+        </p:nvSpPr>
+        <p:spPr/>
+        <p:txBody>
+          <a:bodyPr>
+            <a:normAutofit fontScale="90000"/>
+          </a:bodyPr>
+          <a:lstStyle/>
+          <a:p>
+            <a:r>
+              <a:rPr lang="en-US" dirty="0" smtClean="0"/>
+              <a:t>Finally, I populated the user table with the specified credentials</a:t>
+            </a:r>
+            <a:endParaRPr lang="en-US" dirty="0"/>
+          </a:p>
+        </p:txBody>
+      </p:sp>
+      <p:pic>
+        <p:nvPicPr>
+          <p:cNvPr id="4" name="Picture 3"/>
+          <p:cNvPicPr>
+            <a:picLocks noChangeAspect="1"/>
+          </p:cNvPicPr>
+          <p:nvPr/>
+        </p:nvPicPr>
+        <p:blipFill>
+          <a:blip r:embed="rId2">
+            <a:extLst>
+              <a:ext uri="{28A0092B-C50C-407E-A947-70E740481C1C}">
+                <a14:useLocalDpi xmlns:a14="http://schemas.microsoft.com/office/drawing/2010/main" val="0"/>
+              </a:ext>
+            </a:extLst>
+          </a:blip>
+          <a:stretch>
+            <a:fillRect/>
+          </a:stretch>
+        </p:blipFill>
+        <p:spPr>
+          <a:xfrm>
+            <a:off x="272143" y="1600200"/>
+            <a:ext cx="8686800" cy="4669155"/>
+          </a:xfrm>
+          <a:prstGeom prst="rect">
+            <a:avLst/>
+          </a:prstGeom>
+        </p:spPr>
+      </p:pic>
+    </p:spTree>
+    <p:extLst>
+      <p:ext uri="{BB962C8B-B14F-4D97-AF65-F5344CB8AC3E}">
+        <p14:creationId xmlns:p14="http://schemas.microsoft.com/office/powerpoint/2010/main" val="1247532143"/>
+      </p:ext>
+    </p:extLst>
+  </p:cSld>
+  <p:clrMapOvr>
+    <a:masterClrMapping/>
+  </p:clrMapOvr>
+</p:sld>
+</file>
+
 <file path=ppt/slides/slide2.xml><?xml version="1.0" encoding="utf-8"?>
 <p:sld xmlns:a="http://schemas.openxmlformats.org/drawingml/2006/main" xmlns:r="http://schemas.openxmlformats.org/officeDocument/2006/relationships" xmlns:p="http://schemas.openxmlformats.org/presentationml/2006/main">
   <p:cSld>
@@ -3200,7 +3287,12 @@
             <p:ph type="title"/>
           </p:nvPr>
         </p:nvSpPr>
-        <p:spPr/>
+        <p:spPr>
+          <a:xfrm>
+            <a:off x="457200" y="2209800"/>
+            <a:ext cx="8229600" cy="1143000"/>
+          </a:xfrm>
+        </p:spPr>
         <p:txBody>
           <a:bodyPr>
             <a:normAutofit fontScale="90000"/>
@@ -3208,8 +3300,76 @@
           <a:lstStyle/>
           <a:p>
             <a:r>
+              <a:rPr lang="en-US" dirty="0" smtClean="0"/>
+              <a:t>I started by downloading and installing XAMPP version 3.2.1</a:t>
+            </a:r>
+            <a:endParaRPr lang="en-US" dirty="0"/>
+          </a:p>
+        </p:txBody>
+      </p:sp>
+    </p:spTree>
+    <p:extLst>
+      <p:ext uri="{BB962C8B-B14F-4D97-AF65-F5344CB8AC3E}">
+        <p14:creationId xmlns:p14="http://schemas.microsoft.com/office/powerpoint/2010/main" val="1960527225"/>
+      </p:ext>
+    </p:extLst>
+  </p:cSld>
+  <p:clrMapOvr>
+    <a:masterClrMapping/>
+  </p:clrMapOvr>
+</p:sld>
+</file>
+
+<file path=ppt/slides/slide3.xml><?xml version="1.0" encoding="utf-8"?>
+<p:sld xmlns:a="http://schemas.openxmlformats.org/drawingml/2006/main" xmlns:r="http://schemas.openxmlformats.org/officeDocument/2006/relationships" xmlns:p="http://schemas.openxmlformats.org/presentationml/2006/main">
+  <p:cSld>
+    <p:spTree>
+      <p:nvGrpSpPr>
+        <p:cNvPr id="1" name=""/>
+        <p:cNvGrpSpPr/>
+        <p:nvPr/>
+      </p:nvGrpSpPr>
+      <p:grpSpPr>
+        <a:xfrm>
+          <a:off x="0" y="0"/>
+          <a:ext cx="0" cy="0"/>
+          <a:chOff x="0" y="0"/>
+          <a:chExt cx="0" cy="0"/>
+        </a:xfrm>
+      </p:grpSpPr>
+      <p:sp>
+        <p:nvSpPr>
+          <p:cNvPr id="2" name="Title 1"/>
+          <p:cNvSpPr>
+            <a:spLocks noGrp="1"/>
+          </p:cNvSpPr>
+          <p:nvPr>
+            <p:ph type="title"/>
+          </p:nvPr>
+        </p:nvSpPr>
+        <p:spPr>
+          <a:xfrm>
+            <a:off x="413657" y="457200"/>
+            <a:ext cx="8229600" cy="1143000"/>
+          </a:xfrm>
+        </p:spPr>
+        <p:txBody>
+          <a:bodyPr>
+            <a:normAutofit fontScale="90000"/>
+          </a:bodyPr>
+          <a:lstStyle/>
+          <a:p>
+            <a:r>
               <a:rPr lang="en-US" dirty="0"/>
-              <a:t>I had to change the port number from 80 to anything. I chose 1234.</a:t>
+              <a:t>I had to change the port number from 80 to </a:t>
+            </a:r>
+            <a:r>
+              <a:rPr lang="en-US" dirty="0" smtClean="0"/>
+              <a:t>anything because that port was already occupied. I </a:t>
+            </a:r>
+            <a:r>
+              <a:rPr lang="en-US" dirty="0"/>
+              <a:t>chose 1234.</a:t>
             </a:r>
           </a:p>
         </p:txBody>
@@ -3257,7 +3417,7 @@
 </p:sld>
 </file>
 
-<file path=ppt/slides/slide3.xml><?xml version="1.0" encoding="utf-8"?>
+<file path=ppt/slides/slide4.xml><?xml version="1.0" encoding="utf-8"?>
 <p:sld xmlns:a="http://schemas.openxmlformats.org/drawingml/2006/main" xmlns:r="http://schemas.openxmlformats.org/officeDocument/2006/relationships" xmlns:p="http://schemas.openxmlformats.org/presentationml/2006/main">
   <p:cSld>
     <p:spTree>
@@ -3347,7 +3507,7 @@
 </p:sld>
 </file>
 
-<file path=ppt/slides/slide4.xml><?xml version="1.0" encoding="utf-8"?>
+<file path=ppt/slides/slide5.xml><?xml version="1.0" encoding="utf-8"?>
 <p:sld xmlns:a="http://schemas.openxmlformats.org/drawingml/2006/main" xmlns:r="http://schemas.openxmlformats.org/officeDocument/2006/relationships" xmlns:p="http://schemas.openxmlformats.org/presentationml/2006/main">
   <p:cSld>
     <p:spTree>
@@ -3432,7 +3592,7 @@
 </p:sld>
 </file>
 
-<file path=ppt/slides/slide5.xml><?xml version="1.0" encoding="utf-8"?>
+<file path=ppt/slides/slide6.xml><?xml version="1.0" encoding="utf-8"?>
 <p:sld xmlns:a="http://schemas.openxmlformats.org/drawingml/2006/main" xmlns:r="http://schemas.openxmlformats.org/officeDocument/2006/relationships" xmlns:p="http://schemas.openxmlformats.org/presentationml/2006/main">
   <p:cSld>
     <p:spTree>
@@ -3572,7 +3732,7 @@
 </p:sld>
 </file>
 
-<file path=ppt/slides/slide6.xml><?xml version="1.0" encoding="utf-8"?>
+<file path=ppt/slides/slide7.xml><?xml version="1.0" encoding="utf-8"?>
 <p:sld xmlns:a="http://schemas.openxmlformats.org/drawingml/2006/main" xmlns:r="http://schemas.openxmlformats.org/officeDocument/2006/relationships" xmlns:p="http://schemas.openxmlformats.org/presentationml/2006/main">
   <p:cSld>
     <p:spTree>
@@ -3700,7 +3860,7 @@
 </p:sld>
 </file>
 
-<file path=ppt/slides/slide7.xml><?xml version="1.0" encoding="utf-8"?>
+<file path=ppt/slides/slide8.xml><?xml version="1.0" encoding="utf-8"?>
 <p:sld xmlns:a="http://schemas.openxmlformats.org/drawingml/2006/main" xmlns:r="http://schemas.openxmlformats.org/officeDocument/2006/relationships" xmlns:p="http://schemas.openxmlformats.org/presentationml/2006/main">
   <p:cSld>
     <p:spTree>
@@ -3736,7 +3896,19 @@
           <a:p>
             <a:r>
               <a:rPr lang="en-US" dirty="0" smtClean="0"/>
-              <a:t>I then created tables titled ‘users’, ‘questions’, and ‘answers’</a:t>
+              <a:t>I then created tables titled ‘users’, ‘questions’, </a:t>
+            </a:r>
+            <a:r>
+              <a:rPr lang="en-US" dirty="0" smtClean="0"/>
+              <a:t>‘</a:t>
+            </a:r>
+            <a:r>
+              <a:rPr lang="en-US" dirty="0" smtClean="0"/>
+              <a:t>answers</a:t>
+            </a:r>
+            <a:r>
+              <a:rPr lang="en-US" dirty="0" smtClean="0"/>
+              <a:t>’, and ‘votes’.</a:t>
             </a:r>
             <a:endParaRPr lang="en-US" dirty="0"/>
           </a:p>
@@ -3842,6 +4014,41 @@
           </a:ln>
         </p:spPr>
       </p:pic>
+      <p:pic>
+        <p:nvPicPr>
+          <p:cNvPr id="3" name="Picture 2"/>
+          <p:cNvPicPr>
+            <a:picLocks noChangeAspect="1"/>
+          </p:cNvPicPr>
+          <p:nvPr/>
+        </p:nvPicPr>
+        <p:blipFill>
+          <a:blip r:embed="rId5">
+            <a:extLst>
+              <a:ext uri="{28A0092B-C50C-407E-A947-70E740481C1C}">
+                <a14:useLocalDpi xmlns:a14="http://schemas.microsoft.com/office/drawing/2010/main" val="0"/>
+              </a:ext>
+            </a:extLst>
+          </a:blip>
+          <a:stretch>
+            <a:fillRect/>
+          </a:stretch>
+        </p:blipFill>
+        <p:spPr>
+          <a:xfrm>
+            <a:off x="3309257" y="3886200"/>
+            <a:ext cx="5410200" cy="2812505"/>
+          </a:xfrm>
+          <a:prstGeom prst="rect">
+            <a:avLst/>
+          </a:prstGeom>
+          <a:ln w="3175">
+            <a:solidFill>
+              <a:schemeClr val="tx1"/>
+            </a:solidFill>
+          </a:ln>
+        </p:spPr>
+      </p:pic>
     </p:spTree>
     <p:extLst>
       <p:ext uri="{BB962C8B-B14F-4D97-AF65-F5344CB8AC3E}">
@@ -3855,7 +4062,7 @@
 </p:sld>
 </file>
 
-<file path=ppt/slides/slide8.xml><?xml version="1.0" encoding="utf-8"?>
+<file path=ppt/slides/slide9.xml><?xml version="1.0" encoding="utf-8"?>
 <p:sld xmlns:a="http://schemas.openxmlformats.org/drawingml/2006/main" xmlns:r="http://schemas.openxmlformats.org/officeDocument/2006/relationships" xmlns:p="http://schemas.openxmlformats.org/presentationml/2006/main">
   <p:cSld>
     <p:spTree>
@@ -3885,13 +4092,17 @@
         <p:spPr/>
         <p:txBody>
           <a:bodyPr>
-            <a:normAutofit fontScale="90000"/>
+            <a:normAutofit/>
           </a:bodyPr>
           <a:lstStyle/>
           <a:p>
             <a:r>
               <a:rPr lang="en-US" dirty="0" smtClean="0"/>
-              <a:t>Finally, I created a back-up database</a:t>
+              <a:t>I then </a:t>
+            </a:r>
+            <a:r>
+              <a:rPr lang="en-US" dirty="0" smtClean="0"/>
+              <a:t>created a back-up database</a:t>
             </a:r>
             <a:endParaRPr lang="en-US" dirty="0"/>
           </a:p>
